--- a/Final_project_ppt_presentation.pptx
+++ b/Final_project_ppt_presentation.pptx
@@ -15,21 +15,13 @@
     <p:sldId id="293" r:id="rId9"/>
     <p:sldId id="294" r:id="rId10"/>
     <p:sldId id="278" r:id="rId11"/>
-    <p:sldId id="279" r:id="rId12"/>
-    <p:sldId id="259" r:id="rId13"/>
-    <p:sldId id="260" r:id="rId14"/>
-    <p:sldId id="262" r:id="rId15"/>
-    <p:sldId id="302" r:id="rId16"/>
-    <p:sldId id="263" r:id="rId17"/>
-    <p:sldId id="264" r:id="rId18"/>
-    <p:sldId id="265" r:id="rId19"/>
-    <p:sldId id="266" r:id="rId20"/>
-    <p:sldId id="261" r:id="rId21"/>
-    <p:sldId id="271" r:id="rId22"/>
-    <p:sldId id="296" r:id="rId23"/>
-    <p:sldId id="295" r:id="rId24"/>
-    <p:sldId id="298" r:id="rId25"/>
-    <p:sldId id="297" r:id="rId26"/>
+    <p:sldId id="260" r:id="rId12"/>
+    <p:sldId id="302" r:id="rId13"/>
+    <p:sldId id="271" r:id="rId14"/>
+    <p:sldId id="296" r:id="rId15"/>
+    <p:sldId id="295" r:id="rId16"/>
+    <p:sldId id="298" r:id="rId17"/>
+    <p:sldId id="297" r:id="rId18"/>
   </p:sldIdLst>
   <p:sldSz cx="12192000" cy="6858000"/>
   <p:notesSz cx="6858000" cy="9144000"/>
@@ -3706,7 +3698,7 @@
           <a:p>
             <a:fld id="{EED1C14C-A143-42F5-B247-D0E800131009}" type="datetimeFigureOut">
               <a:rPr lang="en-US" smtClean="0"/>
-              <a:t>7/18/2020</a:t>
+              <a:t>8/27/2020</a:t>
             </a:fld>
             <a:endParaRPr lang="en-US"/>
           </a:p>
@@ -3914,7 +3906,7 @@
           <a:p>
             <a:fld id="{EED1C14C-A143-42F5-B247-D0E800131009}" type="datetimeFigureOut">
               <a:rPr lang="en-US" smtClean="0"/>
-              <a:t>7/18/2020</a:t>
+              <a:t>8/27/2020</a:t>
             </a:fld>
             <a:endParaRPr lang="en-US"/>
           </a:p>
@@ -4112,7 +4104,7 @@
           <a:p>
             <a:fld id="{EED1C14C-A143-42F5-B247-D0E800131009}" type="datetimeFigureOut">
               <a:rPr lang="en-US" smtClean="0"/>
-              <a:t>7/18/2020</a:t>
+              <a:t>8/27/2020</a:t>
             </a:fld>
             <a:endParaRPr lang="en-US"/>
           </a:p>
@@ -4863,7 +4855,7 @@
           <a:p>
             <a:fld id="{EED1C14C-A143-42F5-B247-D0E800131009}" type="datetimeFigureOut">
               <a:rPr lang="en-US" smtClean="0"/>
-              <a:t>7/18/2020</a:t>
+              <a:t>8/27/2020</a:t>
             </a:fld>
             <a:endParaRPr lang="en-US"/>
           </a:p>
@@ -5167,7 +5159,7 @@
           <a:p>
             <a:fld id="{EED1C14C-A143-42F5-B247-D0E800131009}" type="datetimeFigureOut">
               <a:rPr lang="en-US" smtClean="0"/>
-              <a:t>7/18/2020</a:t>
+              <a:t>8/27/2020</a:t>
             </a:fld>
             <a:endParaRPr lang="en-US"/>
           </a:p>
@@ -5629,7 +5621,7 @@
           <a:p>
             <a:fld id="{EED1C14C-A143-42F5-B247-D0E800131009}" type="datetimeFigureOut">
               <a:rPr lang="en-US" smtClean="0"/>
-              <a:t>7/18/2020</a:t>
+              <a:t>8/27/2020</a:t>
             </a:fld>
             <a:endParaRPr lang="en-US"/>
           </a:p>
@@ -5759,7 +5751,7 @@
           <a:p>
             <a:fld id="{EED1C14C-A143-42F5-B247-D0E800131009}" type="datetimeFigureOut">
               <a:rPr lang="en-US" smtClean="0"/>
-              <a:t>7/18/2020</a:t>
+              <a:t>8/27/2020</a:t>
             </a:fld>
             <a:endParaRPr lang="en-US"/>
           </a:p>
@@ -7081,7 +7073,7 @@
           <a:p>
             <a:fld id="{EED1C14C-A143-42F5-B247-D0E800131009}" type="datetimeFigureOut">
               <a:rPr lang="en-US" smtClean="0"/>
-              <a:t>7/18/2020</a:t>
+              <a:t>8/27/2020</a:t>
             </a:fld>
             <a:endParaRPr lang="en-US"/>
           </a:p>
@@ -7961,310 +7953,6 @@
       </p:grpSpPr>
       <p:pic>
         <p:nvPicPr>
-          <p:cNvPr id="3" name="slide3" descr="chlorides">
-            <a:extLst>
-              <a:ext uri="{FF2B5EF4-FFF2-40B4-BE49-F238E27FC236}">
-                <a16:creationId xmlns:a16="http://schemas.microsoft.com/office/drawing/2014/main" id="{0A54CF0E-54CB-4CD1-96D3-8591643739B1}"/>
-              </a:ext>
-            </a:extLst>
-          </p:cNvPr>
-          <p:cNvPicPr>
-            <a:picLocks noChangeAspect="1"/>
-          </p:cNvPicPr>
-          <p:nvPr/>
-        </p:nvPicPr>
-        <p:blipFill rotWithShape="1">
-          <a:blip r:embed="rId2">
-            <a:extLst>
-              <a:ext uri="{28A0092B-C50C-407E-A947-70E740481C1C}">
-                <a14:useLocalDpi xmlns:a14="http://schemas.microsoft.com/office/drawing/2010/main" val="0"/>
-              </a:ext>
-            </a:extLst>
-          </a:blip>
-          <a:srcRect l="2043" r="7521" b="-1"/>
-          <a:stretch/>
-        </p:blipFill>
-        <p:spPr>
-          <a:xfrm>
-            <a:off x="508000" y="482601"/>
-            <a:ext cx="6604000" cy="5842001"/>
-          </a:xfrm>
-          <a:prstGeom prst="rect">
-            <a:avLst/>
-          </a:prstGeom>
-          <a:noFill/>
-        </p:spPr>
-      </p:pic>
-      <p:sp>
-        <p:nvSpPr>
-          <p:cNvPr id="4" name="Subtitle 3">
-            <a:extLst>
-              <a:ext uri="{FF2B5EF4-FFF2-40B4-BE49-F238E27FC236}">
-                <a16:creationId xmlns:a16="http://schemas.microsoft.com/office/drawing/2014/main" id="{9E396A77-85E8-475A-A91A-BF06C4F3893B}"/>
-              </a:ext>
-            </a:extLst>
-          </p:cNvPr>
-          <p:cNvSpPr>
-            <a:spLocks noGrp="1"/>
-          </p:cNvSpPr>
-          <p:nvPr>
-            <p:ph type="body" sz="half" idx="2"/>
-          </p:nvPr>
-        </p:nvSpPr>
-        <p:spPr>
-          <a:xfrm>
-            <a:off x="7823200" y="482601"/>
-            <a:ext cx="3962400" cy="5892799"/>
-          </a:xfrm>
-        </p:spPr>
-        <p:txBody>
-          <a:bodyPr anchor="t">
-            <a:normAutofit/>
-          </a:bodyPr>
-          <a:lstStyle/>
-          <a:p>
-            <a:r>
-              <a:rPr lang="en-US" dirty="0"/>
-              <a:t>Chloride levels range from .012 to .611 g/L with a mean of .087 g/L.   </a:t>
-            </a:r>
-            <a:r>
-              <a:rPr lang="en-US" dirty="0" err="1"/>
-              <a:t>RSquared</a:t>
-            </a:r>
-            <a:r>
-              <a:rPr lang="en-US" dirty="0"/>
-              <a:t> factor ranks 5</a:t>
-            </a:r>
-            <a:r>
-              <a:rPr lang="en-US" baseline="30000" dirty="0"/>
-              <a:t>th</a:t>
-            </a:r>
-            <a:r>
-              <a:rPr lang="en-US" dirty="0"/>
-              <a:t> out of the 11 attributes.</a:t>
-            </a:r>
-          </a:p>
-          <a:p>
-            <a:endParaRPr lang="en-US" dirty="0"/>
-          </a:p>
-          <a:p>
-            <a:r>
-              <a:rPr lang="en-US" sz="1800" dirty="0">
-                <a:effectLst/>
-                <a:latin typeface="Calibri" panose="020F0502020204030204" pitchFamily="34" charset="0"/>
-                <a:ea typeface="Calibri" panose="020F0502020204030204" pitchFamily="34" charset="0"/>
-                <a:cs typeface="Times New Roman" panose="02020603050405020304" pitchFamily="18" charset="0"/>
-              </a:rPr>
-              <a:t>The level of chlorides is moderately important in determining wine quality with higher levels having a negative affect.  Wines from Australia and Argentina tend to have higher levels of chlorides than those produced in the US and France.</a:t>
-            </a:r>
-          </a:p>
-          <a:p>
-            <a:endParaRPr lang="en-US" dirty="0"/>
-          </a:p>
-        </p:txBody>
-      </p:sp>
-    </p:spTree>
-    <p:extLst>
-      <p:ext uri="{BB962C8B-B14F-4D97-AF65-F5344CB8AC3E}">
-        <p14:creationId xmlns:p14="http://schemas.microsoft.com/office/powerpoint/2010/main" val="1835095572"/>
-      </p:ext>
-    </p:extLst>
-  </p:cSld>
-  <p:clrMapOvr>
-    <a:masterClrMapping/>
-  </p:clrMapOvr>
-  <mc:AlternateContent xmlns:mc="http://schemas.openxmlformats.org/markup-compatibility/2006" xmlns:p14="http://schemas.microsoft.com/office/powerpoint/2010/main">
-    <mc:Choice Requires="p14">
-      <p:transition spd="med" p14:dur="700">
-        <p:fade/>
-      </p:transition>
-    </mc:Choice>
-    <mc:Fallback xmlns="">
-      <p:transition spd="med">
-        <p:fade/>
-      </p:transition>
-    </mc:Fallback>
-  </mc:AlternateContent>
-</p:sld>
-</file>
-
-<file path=ppt/slides/slide12.xml><?xml version="1.0" encoding="utf-8"?>
-<p:sld xmlns:a="http://schemas.openxmlformats.org/drawingml/2006/main" xmlns:r="http://schemas.openxmlformats.org/officeDocument/2006/relationships" xmlns:p="http://schemas.openxmlformats.org/presentationml/2006/main">
-  <p:cSld>
-    <p:spTree>
-      <p:nvGrpSpPr>
-        <p:cNvPr id="1" name=""/>
-        <p:cNvGrpSpPr/>
-        <p:nvPr/>
-      </p:nvGrpSpPr>
-      <p:grpSpPr>
-        <a:xfrm>
-          <a:off x="0" y="0"/>
-          <a:ext cx="0" cy="0"/>
-          <a:chOff x="0" y="0"/>
-          <a:chExt cx="0" cy="0"/>
-        </a:xfrm>
-      </p:grpSpPr>
-      <p:pic>
-        <p:nvPicPr>
-          <p:cNvPr id="4" name="slide4" descr="tsd">
-            <a:extLst>
-              <a:ext uri="{FF2B5EF4-FFF2-40B4-BE49-F238E27FC236}">
-                <a16:creationId xmlns:a16="http://schemas.microsoft.com/office/drawing/2014/main" id="{4DDA001B-BCBA-44C1-AAAF-EA4222C95104}"/>
-              </a:ext>
-            </a:extLst>
-          </p:cNvPr>
-          <p:cNvPicPr>
-            <a:picLocks noChangeAspect="1"/>
-          </p:cNvPicPr>
-          <p:nvPr/>
-        </p:nvPicPr>
-        <p:blipFill>
-          <a:blip r:embed="rId2">
-            <a:extLst>
-              <a:ext uri="{28A0092B-C50C-407E-A947-70E740481C1C}">
-                <a14:useLocalDpi xmlns:a14="http://schemas.microsoft.com/office/drawing/2010/main" val="0"/>
-              </a:ext>
-            </a:extLst>
-          </a:blip>
-          <a:stretch>
-            <a:fillRect/>
-          </a:stretch>
-        </p:blipFill>
-        <p:spPr>
-          <a:xfrm>
-            <a:off x="508000" y="762002"/>
-            <a:ext cx="6604000" cy="5283199"/>
-          </a:xfrm>
-          <a:prstGeom prst="rect">
-            <a:avLst/>
-          </a:prstGeom>
-          <a:noFill/>
-        </p:spPr>
-      </p:pic>
-      <p:sp>
-        <p:nvSpPr>
-          <p:cNvPr id="8" name="Subtitle 3">
-            <a:extLst>
-              <a:ext uri="{FF2B5EF4-FFF2-40B4-BE49-F238E27FC236}">
-                <a16:creationId xmlns:a16="http://schemas.microsoft.com/office/drawing/2014/main" id="{F215A633-EB47-4D80-ABCD-12B715F778BB}"/>
-              </a:ext>
-            </a:extLst>
-          </p:cNvPr>
-          <p:cNvSpPr>
-            <a:spLocks noGrp="1"/>
-          </p:cNvSpPr>
-          <p:nvPr>
-            <p:ph type="body" sz="half" idx="2"/>
-          </p:nvPr>
-        </p:nvSpPr>
-        <p:spPr>
-          <a:xfrm>
-            <a:off x="7823200" y="762002"/>
-            <a:ext cx="3962400" cy="5613398"/>
-          </a:xfrm>
-        </p:spPr>
-        <p:txBody>
-          <a:bodyPr anchor="t">
-            <a:normAutofit/>
-          </a:bodyPr>
-          <a:lstStyle/>
-          <a:p>
-            <a:r>
-              <a:rPr lang="en-US" dirty="0"/>
-              <a:t>Total Sulphur dioxide levels range from 6 to 289 g/L with a mean 46 g/L.   </a:t>
-            </a:r>
-            <a:r>
-              <a:rPr lang="en-US" dirty="0" err="1"/>
-              <a:t>RSquared</a:t>
-            </a:r>
-            <a:r>
-              <a:rPr lang="en-US" dirty="0"/>
-              <a:t> factor ranks 6</a:t>
-            </a:r>
-            <a:r>
-              <a:rPr lang="en-US" baseline="30000" dirty="0"/>
-              <a:t>th</a:t>
-            </a:r>
-            <a:r>
-              <a:rPr lang="en-US" dirty="0"/>
-              <a:t> out of the 11 attributes.</a:t>
-            </a:r>
-          </a:p>
-          <a:p>
-            <a:endParaRPr lang="en-US" dirty="0"/>
-          </a:p>
-          <a:p>
-            <a:pPr marL="0" marR="0">
-              <a:lnSpc>
-                <a:spcPct val="107000"/>
-              </a:lnSpc>
-              <a:spcBef>
-                <a:spcPts val="0"/>
-              </a:spcBef>
-              <a:spcAft>
-                <a:spcPts val="800"/>
-              </a:spcAft>
-            </a:pPr>
-            <a:r>
-              <a:rPr lang="en-US" sz="1800" dirty="0">
-                <a:effectLst/>
-                <a:latin typeface="Calibri" panose="020F0502020204030204" pitchFamily="34" charset="0"/>
-                <a:ea typeface="Calibri" panose="020F0502020204030204" pitchFamily="34" charset="0"/>
-                <a:cs typeface="Times New Roman" panose="02020603050405020304" pitchFamily="18" charset="0"/>
-              </a:rPr>
-              <a:t>Total SO2 like free SO2 has limited impact on our ability to predict wine quality but wines with total SO2 levels of between .15 and .30 g/L tend to produce the wines with higher quality.</a:t>
-            </a:r>
-          </a:p>
-          <a:p>
-            <a:endParaRPr lang="en-US" dirty="0"/>
-          </a:p>
-        </p:txBody>
-      </p:sp>
-    </p:spTree>
-    <p:extLst>
-      <p:ext uri="{BB962C8B-B14F-4D97-AF65-F5344CB8AC3E}">
-        <p14:creationId xmlns:p14="http://schemas.microsoft.com/office/powerpoint/2010/main" val="95992585"/>
-      </p:ext>
-    </p:extLst>
-  </p:cSld>
-  <p:clrMapOvr>
-    <a:masterClrMapping/>
-  </p:clrMapOvr>
-  <mc:AlternateContent xmlns:mc="http://schemas.openxmlformats.org/markup-compatibility/2006" xmlns:p14="http://schemas.microsoft.com/office/powerpoint/2010/main">
-    <mc:Choice Requires="p14">
-      <p:transition spd="med" p14:dur="700">
-        <p:fade/>
-      </p:transition>
-    </mc:Choice>
-    <mc:Fallback xmlns="">
-      <p:transition spd="med">
-        <p:fade/>
-      </p:transition>
-    </mc:Fallback>
-  </mc:AlternateContent>
-</p:sld>
-</file>
-
-<file path=ppt/slides/slide13.xml><?xml version="1.0" encoding="utf-8"?>
-<p:sld xmlns:a="http://schemas.openxmlformats.org/drawingml/2006/main" xmlns:r="http://schemas.openxmlformats.org/officeDocument/2006/relationships" xmlns:p="http://schemas.openxmlformats.org/presentationml/2006/main">
-  <p:cSld>
-    <p:spTree>
-      <p:nvGrpSpPr>
-        <p:cNvPr id="1" name=""/>
-        <p:cNvGrpSpPr/>
-        <p:nvPr/>
-      </p:nvGrpSpPr>
-      <p:grpSpPr>
-        <a:xfrm>
-          <a:off x="0" y="0"/>
-          <a:ext cx="0" cy="0"/>
-          <a:chOff x="0" y="0"/>
-          <a:chExt cx="0" cy="0"/>
-        </a:xfrm>
-      </p:grpSpPr>
-      <p:pic>
-        <p:nvPicPr>
           <p:cNvPr id="5" name="slide5" descr="citric acid">
             <a:extLst>
               <a:ext uri="{FF2B5EF4-FFF2-40B4-BE49-F238E27FC236}">
@@ -8393,154 +8081,7 @@
 </p:sld>
 </file>
 
-<file path=ppt/slides/slide14.xml><?xml version="1.0" encoding="utf-8"?>
-<p:sld xmlns:a="http://schemas.openxmlformats.org/drawingml/2006/main" xmlns:r="http://schemas.openxmlformats.org/officeDocument/2006/relationships" xmlns:p="http://schemas.openxmlformats.org/presentationml/2006/main">
-  <p:cSld>
-    <p:spTree>
-      <p:nvGrpSpPr>
-        <p:cNvPr id="1" name=""/>
-        <p:cNvGrpSpPr/>
-        <p:nvPr/>
-      </p:nvGrpSpPr>
-      <p:grpSpPr>
-        <a:xfrm>
-          <a:off x="0" y="0"/>
-          <a:ext cx="0" cy="0"/>
-          <a:chOff x="0" y="0"/>
-          <a:chExt cx="0" cy="0"/>
-        </a:xfrm>
-      </p:grpSpPr>
-      <p:pic>
-        <p:nvPicPr>
-          <p:cNvPr id="7" name="slide7" descr="fixed acidity">
-            <a:extLst>
-              <a:ext uri="{FF2B5EF4-FFF2-40B4-BE49-F238E27FC236}">
-                <a16:creationId xmlns:a16="http://schemas.microsoft.com/office/drawing/2014/main" id="{4FECF928-35E0-440C-8138-AC6ED795095E}"/>
-              </a:ext>
-            </a:extLst>
-          </p:cNvPr>
-          <p:cNvPicPr>
-            <a:picLocks noChangeAspect="1"/>
-          </p:cNvPicPr>
-          <p:nvPr/>
-        </p:nvPicPr>
-        <p:blipFill>
-          <a:blip r:embed="rId2">
-            <a:extLst>
-              <a:ext uri="{28A0092B-C50C-407E-A947-70E740481C1C}">
-                <a14:useLocalDpi xmlns:a14="http://schemas.microsoft.com/office/drawing/2010/main" val="0"/>
-              </a:ext>
-            </a:extLst>
-          </a:blip>
-          <a:stretch>
-            <a:fillRect/>
-          </a:stretch>
-        </p:blipFill>
-        <p:spPr>
-          <a:xfrm>
-            <a:off x="508000" y="762002"/>
-            <a:ext cx="6604000" cy="5283199"/>
-          </a:xfrm>
-          <a:prstGeom prst="rect">
-            <a:avLst/>
-          </a:prstGeom>
-          <a:noFill/>
-        </p:spPr>
-      </p:pic>
-      <p:sp>
-        <p:nvSpPr>
-          <p:cNvPr id="8" name="Subtitle 3">
-            <a:extLst>
-              <a:ext uri="{FF2B5EF4-FFF2-40B4-BE49-F238E27FC236}">
-                <a16:creationId xmlns:a16="http://schemas.microsoft.com/office/drawing/2014/main" id="{D0CE0438-2F95-4369-A00E-9FEF7207000F}"/>
-              </a:ext>
-            </a:extLst>
-          </p:cNvPr>
-          <p:cNvSpPr>
-            <a:spLocks noGrp="1"/>
-          </p:cNvSpPr>
-          <p:nvPr>
-            <p:ph type="body" sz="half" idx="2"/>
-          </p:nvPr>
-        </p:nvSpPr>
-        <p:spPr>
-          <a:xfrm>
-            <a:off x="7823200" y="762002"/>
-            <a:ext cx="3962400" cy="5613398"/>
-          </a:xfrm>
-        </p:spPr>
-        <p:txBody>
-          <a:bodyPr anchor="t">
-            <a:normAutofit/>
-          </a:bodyPr>
-          <a:lstStyle/>
-          <a:p>
-            <a:r>
-              <a:rPr lang="en-US" dirty="0"/>
-              <a:t>Fixed Acidity levels range from 4.6 to 15.9 g/L with a mean 8.3.   </a:t>
-            </a:r>
-            <a:r>
-              <a:rPr lang="en-US" dirty="0" err="1"/>
-              <a:t>RSquared</a:t>
-            </a:r>
-            <a:r>
-              <a:rPr lang="en-US" dirty="0"/>
-              <a:t> factor ranks 8</a:t>
-            </a:r>
-            <a:r>
-              <a:rPr lang="en-US" baseline="30000" dirty="0"/>
-              <a:t>th</a:t>
-            </a:r>
-            <a:r>
-              <a:rPr lang="en-US" dirty="0"/>
-              <a:t> out of the 11 attributes.</a:t>
-            </a:r>
-          </a:p>
-          <a:p>
-            <a:endParaRPr lang="en-US" dirty="0"/>
-          </a:p>
-          <a:p>
-            <a:r>
-              <a:rPr lang="en-US" sz="1800" dirty="0">
-                <a:effectLst/>
-                <a:latin typeface="Calibri" panose="020F0502020204030204" pitchFamily="34" charset="0"/>
-                <a:ea typeface="Calibri" panose="020F0502020204030204" pitchFamily="34" charset="0"/>
-                <a:cs typeface="Times New Roman" panose="02020603050405020304" pitchFamily="18" charset="0"/>
-              </a:rPr>
-              <a:t>The key difference between volatile and fixed acids is that the volatile acids easily vaporize whereas the fixed acids do not.   The level of fixed acidity appears to have minimal impact in determining wine quality, but extremely low levels tend to have a negative impact on wine quality with wines testing highest having the best.</a:t>
-            </a:r>
-          </a:p>
-          <a:p>
-            <a:endParaRPr lang="en-US" dirty="0"/>
-          </a:p>
-        </p:txBody>
-      </p:sp>
-    </p:spTree>
-    <p:extLst>
-      <p:ext uri="{BB962C8B-B14F-4D97-AF65-F5344CB8AC3E}">
-        <p14:creationId xmlns:p14="http://schemas.microsoft.com/office/powerpoint/2010/main" val="95992585"/>
-      </p:ext>
-    </p:extLst>
-  </p:cSld>
-  <p:clrMapOvr>
-    <a:masterClrMapping/>
-  </p:clrMapOvr>
-  <mc:AlternateContent xmlns:mc="http://schemas.openxmlformats.org/markup-compatibility/2006" xmlns:p14="http://schemas.microsoft.com/office/powerpoint/2010/main">
-    <mc:Choice Requires="p14">
-      <p:transition spd="med" p14:dur="700">
-        <p:fade/>
-      </p:transition>
-    </mc:Choice>
-    <mc:Fallback xmlns="">
-      <p:transition spd="med">
-        <p:fade/>
-      </p:transition>
-    </mc:Fallback>
-  </mc:AlternateContent>
-</p:sld>
-</file>
-
-<file path=ppt/slides/slide15.xml><?xml version="1.0" encoding="utf-8"?>
+<file path=ppt/slides/slide12.xml><?xml version="1.0" encoding="utf-8"?>
 <p:sld xmlns:a="http://schemas.openxmlformats.org/drawingml/2006/main" xmlns:r="http://schemas.openxmlformats.org/officeDocument/2006/relationships" xmlns:p="http://schemas.openxmlformats.org/presentationml/2006/main">
   <p:cSld>
     <p:spTree>
@@ -8664,151 +8205,6 @@
   <p:clrMapOvr>
     <a:masterClrMapping/>
   </p:clrMapOvr>
-  <mc:AlternateContent xmlns:mc="http://schemas.openxmlformats.org/markup-compatibility/2006">
-    <mc:Choice xmlns:p14="http://schemas.microsoft.com/office/powerpoint/2010/main" Requires="p14">
-      <p:transition spd="med" p14:dur="700">
-        <p:fade/>
-      </p:transition>
-    </mc:Choice>
-    <mc:Fallback>
-      <p:transition spd="med">
-        <p:fade/>
-      </p:transition>
-    </mc:Fallback>
-  </mc:AlternateContent>
-</p:sld>
-</file>
-
-<file path=ppt/slides/slide16.xml><?xml version="1.0" encoding="utf-8"?>
-<p:sld xmlns:a="http://schemas.openxmlformats.org/drawingml/2006/main" xmlns:r="http://schemas.openxmlformats.org/officeDocument/2006/relationships" xmlns:p="http://schemas.openxmlformats.org/presentationml/2006/main">
-  <p:cSld>
-    <p:spTree>
-      <p:nvGrpSpPr>
-        <p:cNvPr id="1" name=""/>
-        <p:cNvGrpSpPr/>
-        <p:nvPr/>
-      </p:nvGrpSpPr>
-      <p:grpSpPr>
-        <a:xfrm>
-          <a:off x="0" y="0"/>
-          <a:ext cx="0" cy="0"/>
-          <a:chOff x="0" y="0"/>
-          <a:chExt cx="0" cy="0"/>
-        </a:xfrm>
-      </p:grpSpPr>
-      <p:pic>
-        <p:nvPicPr>
-          <p:cNvPr id="8" name="slide8" descr="fsd">
-            <a:extLst>
-              <a:ext uri="{FF2B5EF4-FFF2-40B4-BE49-F238E27FC236}">
-                <a16:creationId xmlns:a16="http://schemas.microsoft.com/office/drawing/2014/main" id="{7C7039C2-90A5-4D65-B448-CB411C4061A1}"/>
-              </a:ext>
-            </a:extLst>
-          </p:cNvPr>
-          <p:cNvPicPr>
-            <a:picLocks noChangeAspect="1"/>
-          </p:cNvPicPr>
-          <p:nvPr/>
-        </p:nvPicPr>
-        <p:blipFill>
-          <a:blip r:embed="rId2">
-            <a:extLst>
-              <a:ext uri="{28A0092B-C50C-407E-A947-70E740481C1C}">
-                <a14:useLocalDpi xmlns:a14="http://schemas.microsoft.com/office/drawing/2010/main" val="0"/>
-              </a:ext>
-            </a:extLst>
-          </a:blip>
-          <a:stretch>
-            <a:fillRect/>
-          </a:stretch>
-        </p:blipFill>
-        <p:spPr>
-          <a:xfrm>
-            <a:off x="508000" y="762002"/>
-            <a:ext cx="6604000" cy="5283199"/>
-          </a:xfrm>
-          <a:prstGeom prst="rect">
-            <a:avLst/>
-          </a:prstGeom>
-          <a:noFill/>
-        </p:spPr>
-      </p:pic>
-      <p:sp>
-        <p:nvSpPr>
-          <p:cNvPr id="7" name="Subtitle 3">
-            <a:extLst>
-              <a:ext uri="{FF2B5EF4-FFF2-40B4-BE49-F238E27FC236}">
-                <a16:creationId xmlns:a16="http://schemas.microsoft.com/office/drawing/2014/main" id="{E88A065B-392A-404A-94F2-A376550C0AC3}"/>
-              </a:ext>
-            </a:extLst>
-          </p:cNvPr>
-          <p:cNvSpPr>
-            <a:spLocks noGrp="1"/>
-          </p:cNvSpPr>
-          <p:nvPr>
-            <p:ph type="body" sz="half" idx="2"/>
-          </p:nvPr>
-        </p:nvSpPr>
-        <p:spPr>
-          <a:xfrm>
-            <a:off x="7823200" y="762002"/>
-            <a:ext cx="3962400" cy="5613398"/>
-          </a:xfrm>
-        </p:spPr>
-        <p:txBody>
-          <a:bodyPr anchor="t">
-            <a:normAutofit fontScale="92500" lnSpcReduction="10000"/>
-          </a:bodyPr>
-          <a:lstStyle/>
-          <a:p>
-            <a:r>
-              <a:rPr lang="en-US" dirty="0"/>
-              <a:t>Free Sulphur dioxide levels range from 1 to 72 g/L with a mean 16 g/L.  </a:t>
-            </a:r>
-            <a:r>
-              <a:rPr lang="en-US" dirty="0" err="1"/>
-              <a:t>RSquared</a:t>
-            </a:r>
-            <a:r>
-              <a:rPr lang="en-US" dirty="0"/>
-              <a:t> factor ranks 9</a:t>
-            </a:r>
-            <a:r>
-              <a:rPr lang="en-US" baseline="30000" dirty="0"/>
-              <a:t>th</a:t>
-            </a:r>
-            <a:r>
-              <a:rPr lang="en-US" dirty="0"/>
-              <a:t> out of the 11 attributes</a:t>
-            </a:r>
-          </a:p>
-          <a:p>
-            <a:endParaRPr lang="en-US" dirty="0"/>
-          </a:p>
-          <a:p>
-            <a:r>
-              <a:rPr lang="en-US" sz="2000" dirty="0">
-                <a:effectLst/>
-                <a:latin typeface="Calibri" panose="020F0502020204030204" pitchFamily="34" charset="0"/>
-                <a:ea typeface="Calibri" panose="020F0502020204030204" pitchFamily="34" charset="0"/>
-                <a:cs typeface="Times New Roman" panose="02020603050405020304" pitchFamily="18" charset="0"/>
-              </a:rPr>
-              <a:t>Sulfur dioxide, SO2, is a colorless gas or liquid with a strong, choking odor.  Sulphur dioxide is present in wines as "free”SO2 and also bound to acetaldehyde. The sum gives total SO2. It is added to wine as an antioxidant in order to produce fresher tasting and wine with better appearance.  It also allows longer storage of the wine  Free SO2 tends to have very limited impact when it comes to determining wine quality but wines with the lowest Free SO2 have the highest quality rating while the highest level has the quality</a:t>
-            </a:r>
-            <a:endParaRPr lang="en-US" dirty="0"/>
-          </a:p>
-        </p:txBody>
-      </p:sp>
-    </p:spTree>
-    <p:extLst>
-      <p:ext uri="{BB962C8B-B14F-4D97-AF65-F5344CB8AC3E}">
-        <p14:creationId xmlns:p14="http://schemas.microsoft.com/office/powerpoint/2010/main" val="95992585"/>
-      </p:ext>
-    </p:extLst>
-  </p:cSld>
-  <p:clrMapOvr>
-    <a:masterClrMapping/>
-  </p:clrMapOvr>
   <mc:AlternateContent xmlns:mc="http://schemas.openxmlformats.org/markup-compatibility/2006" xmlns:p14="http://schemas.microsoft.com/office/powerpoint/2010/main">
     <mc:Choice Requires="p14">
       <p:transition spd="med" p14:dur="700">
@@ -8824,755 +8220,7 @@
 </p:sld>
 </file>
 
-<file path=ppt/slides/slide17.xml><?xml version="1.0" encoding="utf-8"?>
-<p:sld xmlns:a="http://schemas.openxmlformats.org/drawingml/2006/main" xmlns:r="http://schemas.openxmlformats.org/officeDocument/2006/relationships" xmlns:p="http://schemas.openxmlformats.org/presentationml/2006/main">
-  <p:cSld>
-    <p:spTree>
-      <p:nvGrpSpPr>
-        <p:cNvPr id="1" name=""/>
-        <p:cNvGrpSpPr/>
-        <p:nvPr/>
-      </p:nvGrpSpPr>
-      <p:grpSpPr>
-        <a:xfrm>
-          <a:off x="0" y="0"/>
-          <a:ext cx="0" cy="0"/>
-          <a:chOff x="0" y="0"/>
-          <a:chExt cx="0" cy="0"/>
-        </a:xfrm>
-      </p:grpSpPr>
-      <p:pic>
-        <p:nvPicPr>
-          <p:cNvPr id="9" name="slide9" descr="PH">
-            <a:extLst>
-              <a:ext uri="{FF2B5EF4-FFF2-40B4-BE49-F238E27FC236}">
-                <a16:creationId xmlns:a16="http://schemas.microsoft.com/office/drawing/2014/main" id="{0282FE59-FFD1-4E7F-A0E1-993B472E28F7}"/>
-              </a:ext>
-            </a:extLst>
-          </p:cNvPr>
-          <p:cNvPicPr>
-            <a:picLocks noChangeAspect="1"/>
-          </p:cNvPicPr>
-          <p:nvPr/>
-        </p:nvPicPr>
-        <p:blipFill>
-          <a:blip r:embed="rId2">
-            <a:extLst>
-              <a:ext uri="{28A0092B-C50C-407E-A947-70E740481C1C}">
-                <a14:useLocalDpi xmlns:a14="http://schemas.microsoft.com/office/drawing/2010/main" val="0"/>
-              </a:ext>
-            </a:extLst>
-          </a:blip>
-          <a:stretch>
-            <a:fillRect/>
-          </a:stretch>
-        </p:blipFill>
-        <p:spPr>
-          <a:xfrm>
-            <a:off x="508000" y="762002"/>
-            <a:ext cx="6604000" cy="5283199"/>
-          </a:xfrm>
-          <a:prstGeom prst="rect">
-            <a:avLst/>
-          </a:prstGeom>
-          <a:noFill/>
-        </p:spPr>
-      </p:pic>
-      <p:sp>
-        <p:nvSpPr>
-          <p:cNvPr id="7" name="Subtitle 3">
-            <a:extLst>
-              <a:ext uri="{FF2B5EF4-FFF2-40B4-BE49-F238E27FC236}">
-                <a16:creationId xmlns:a16="http://schemas.microsoft.com/office/drawing/2014/main" id="{5036BD6F-6DB1-4731-A2BE-7B51AC90E05E}"/>
-              </a:ext>
-            </a:extLst>
-          </p:cNvPr>
-          <p:cNvSpPr>
-            <a:spLocks noGrp="1"/>
-          </p:cNvSpPr>
-          <p:nvPr>
-            <p:ph type="body" sz="half" idx="2"/>
-          </p:nvPr>
-        </p:nvSpPr>
-        <p:spPr>
-          <a:xfrm>
-            <a:off x="7823200" y="762002"/>
-            <a:ext cx="3962400" cy="5613398"/>
-          </a:xfrm>
-        </p:spPr>
-        <p:txBody>
-          <a:bodyPr anchor="t">
-            <a:normAutofit/>
-          </a:bodyPr>
-          <a:lstStyle/>
-          <a:p>
-            <a:r>
-              <a:rPr lang="en-US" dirty="0"/>
-              <a:t>PH levels range from 2.7 to 4 with a mean of 3.3.  </a:t>
-            </a:r>
-            <a:r>
-              <a:rPr lang="en-US" dirty="0" err="1"/>
-              <a:t>RSquared</a:t>
-            </a:r>
-            <a:r>
-              <a:rPr lang="en-US" dirty="0"/>
-              <a:t> factor ranks 7</a:t>
-            </a:r>
-            <a:r>
-              <a:rPr lang="en-US" baseline="30000" dirty="0"/>
-              <a:t>th</a:t>
-            </a:r>
-            <a:r>
-              <a:rPr lang="en-US" dirty="0"/>
-              <a:t> overall.</a:t>
-            </a:r>
-          </a:p>
-          <a:p>
-            <a:endParaRPr lang="en-US" dirty="0"/>
-          </a:p>
-          <a:p>
-            <a:r>
-              <a:rPr lang="en-US" sz="1800" dirty="0">
-                <a:effectLst/>
-                <a:latin typeface="Calibri" panose="020F0502020204030204" pitchFamily="34" charset="0"/>
-                <a:ea typeface="Calibri" panose="020F0502020204030204" pitchFamily="34" charset="0"/>
-                <a:cs typeface="Times New Roman" panose="02020603050405020304" pitchFamily="18" charset="0"/>
-              </a:rPr>
-              <a:t>The PH level of a wine is generally considered to be critical to wine quality but our data suggests that it has limited impact on our ability to determine overall wine quality.  Our data suggests that a PH level of between 3.2 and 3.3 have better overall quality</a:t>
-            </a:r>
-          </a:p>
-          <a:p>
-            <a:endParaRPr lang="en-US" dirty="0"/>
-          </a:p>
-        </p:txBody>
-      </p:sp>
-    </p:spTree>
-    <p:extLst>
-      <p:ext uri="{BB962C8B-B14F-4D97-AF65-F5344CB8AC3E}">
-        <p14:creationId xmlns:p14="http://schemas.microsoft.com/office/powerpoint/2010/main" val="95992585"/>
-      </p:ext>
-    </p:extLst>
-  </p:cSld>
-  <p:clrMapOvr>
-    <a:masterClrMapping/>
-  </p:clrMapOvr>
-  <mc:AlternateContent xmlns:mc="http://schemas.openxmlformats.org/markup-compatibility/2006" xmlns:p14="http://schemas.microsoft.com/office/powerpoint/2010/main">
-    <mc:Choice Requires="p14">
-      <p:transition spd="med" p14:dur="700">
-        <p:fade/>
-      </p:transition>
-    </mc:Choice>
-    <mc:Fallback xmlns="">
-      <p:transition spd="med">
-        <p:fade/>
-      </p:transition>
-    </mc:Fallback>
-  </mc:AlternateContent>
-</p:sld>
-</file>
-
-<file path=ppt/slides/slide18.xml><?xml version="1.0" encoding="utf-8"?>
-<p:sld xmlns:a="http://schemas.openxmlformats.org/drawingml/2006/main" xmlns:r="http://schemas.openxmlformats.org/officeDocument/2006/relationships" xmlns:p="http://schemas.openxmlformats.org/presentationml/2006/main">
-  <p:cSld>
-    <p:spTree>
-      <p:nvGrpSpPr>
-        <p:cNvPr id="1" name=""/>
-        <p:cNvGrpSpPr/>
-        <p:nvPr/>
-      </p:nvGrpSpPr>
-      <p:grpSpPr>
-        <a:xfrm>
-          <a:off x="0" y="0"/>
-          <a:ext cx="0" cy="0"/>
-          <a:chOff x="0" y="0"/>
-          <a:chExt cx="0" cy="0"/>
-        </a:xfrm>
-      </p:grpSpPr>
-      <p:pic>
-        <p:nvPicPr>
-          <p:cNvPr id="10" name="slide10" descr="rs">
-            <a:extLst>
-              <a:ext uri="{FF2B5EF4-FFF2-40B4-BE49-F238E27FC236}">
-                <a16:creationId xmlns:a16="http://schemas.microsoft.com/office/drawing/2014/main" id="{093AC6DC-5A7D-4915-9D15-74D0AAAA4B03}"/>
-              </a:ext>
-            </a:extLst>
-          </p:cNvPr>
-          <p:cNvPicPr>
-            <a:picLocks noChangeAspect="1"/>
-          </p:cNvPicPr>
-          <p:nvPr/>
-        </p:nvPicPr>
-        <p:blipFill>
-          <a:blip r:embed="rId2">
-            <a:extLst>
-              <a:ext uri="{28A0092B-C50C-407E-A947-70E740481C1C}">
-                <a14:useLocalDpi xmlns:a14="http://schemas.microsoft.com/office/drawing/2010/main" val="0"/>
-              </a:ext>
-            </a:extLst>
-          </a:blip>
-          <a:stretch>
-            <a:fillRect/>
-          </a:stretch>
-        </p:blipFill>
-        <p:spPr>
-          <a:xfrm>
-            <a:off x="508000" y="762002"/>
-            <a:ext cx="6604000" cy="5283199"/>
-          </a:xfrm>
-          <a:prstGeom prst="rect">
-            <a:avLst/>
-          </a:prstGeom>
-          <a:noFill/>
-        </p:spPr>
-      </p:pic>
-      <p:sp>
-        <p:nvSpPr>
-          <p:cNvPr id="7" name="Subtitle 3">
-            <a:extLst>
-              <a:ext uri="{FF2B5EF4-FFF2-40B4-BE49-F238E27FC236}">
-                <a16:creationId xmlns:a16="http://schemas.microsoft.com/office/drawing/2014/main" id="{BEC85A1F-0B9E-4973-B6E2-D67CB86A909B}"/>
-              </a:ext>
-            </a:extLst>
-          </p:cNvPr>
-          <p:cNvSpPr>
-            <a:spLocks noGrp="1"/>
-          </p:cNvSpPr>
-          <p:nvPr>
-            <p:ph type="body" sz="half" idx="2"/>
-          </p:nvPr>
-        </p:nvSpPr>
-        <p:spPr>
-          <a:xfrm>
-            <a:off x="7823200" y="762002"/>
-            <a:ext cx="3962400" cy="5613398"/>
-          </a:xfrm>
-        </p:spPr>
-        <p:txBody>
-          <a:bodyPr anchor="t">
-            <a:normAutofit/>
-          </a:bodyPr>
-          <a:lstStyle/>
-          <a:p>
-            <a:r>
-              <a:rPr lang="en-US" dirty="0"/>
-              <a:t>Residual sugar levels range from 9 to 15.5 g/L with a mean 2.5. </a:t>
-            </a:r>
-            <a:r>
-              <a:rPr lang="en-US" dirty="0" err="1"/>
-              <a:t>RSquared</a:t>
-            </a:r>
-            <a:r>
-              <a:rPr lang="en-US" dirty="0"/>
-              <a:t> factor ranks last of the 11 attributes.</a:t>
-            </a:r>
-          </a:p>
-          <a:p>
-            <a:endParaRPr lang="en-US" dirty="0"/>
-          </a:p>
-          <a:p>
-            <a:r>
-              <a:rPr lang="en-US" sz="1800" dirty="0">
-                <a:effectLst/>
-                <a:latin typeface="Calibri" panose="020F0502020204030204" pitchFamily="34" charset="0"/>
-                <a:ea typeface="Calibri" panose="020F0502020204030204" pitchFamily="34" charset="0"/>
-                <a:cs typeface="Times New Roman" panose="02020603050405020304" pitchFamily="18" charset="0"/>
-              </a:rPr>
-              <a:t>Residual Sugar (or RS) is from natural grape sugars that are leftover in the wine after the fermentation process finishes.   Wines with a RS level below .01 are considered very dry, .03 - .05 as semi-sweet, .05 as sweet.  The wines in our data had RS of less than .03 and would be in the dry category.  From our data, Residual Sugars have limited impact our ability to determine wine quality</a:t>
-            </a:r>
-          </a:p>
-          <a:p>
-            <a:endParaRPr lang="en-US" dirty="0"/>
-          </a:p>
-        </p:txBody>
-      </p:sp>
-    </p:spTree>
-    <p:extLst>
-      <p:ext uri="{BB962C8B-B14F-4D97-AF65-F5344CB8AC3E}">
-        <p14:creationId xmlns:p14="http://schemas.microsoft.com/office/powerpoint/2010/main" val="95992585"/>
-      </p:ext>
-    </p:extLst>
-  </p:cSld>
-  <p:clrMapOvr>
-    <a:masterClrMapping/>
-  </p:clrMapOvr>
-  <mc:AlternateContent xmlns:mc="http://schemas.openxmlformats.org/markup-compatibility/2006" xmlns:p14="http://schemas.microsoft.com/office/powerpoint/2010/main">
-    <mc:Choice Requires="p14">
-      <p:transition spd="med" p14:dur="700">
-        <p:fade/>
-      </p:transition>
-    </mc:Choice>
-    <mc:Fallback xmlns="">
-      <p:transition spd="med">
-        <p:fade/>
-      </p:transition>
-    </mc:Fallback>
-  </mc:AlternateContent>
-</p:sld>
-</file>
-
-<file path=ppt/slides/slide19.xml><?xml version="1.0" encoding="utf-8"?>
-<p:sld xmlns:a="http://schemas.openxmlformats.org/drawingml/2006/main" xmlns:r="http://schemas.openxmlformats.org/officeDocument/2006/relationships" xmlns:p="http://schemas.openxmlformats.org/presentationml/2006/main">
-  <p:cSld>
-    <p:spTree>
-      <p:nvGrpSpPr>
-        <p:cNvPr id="1" name=""/>
-        <p:cNvGrpSpPr/>
-        <p:nvPr/>
-      </p:nvGrpSpPr>
-      <p:grpSpPr>
-        <a:xfrm>
-          <a:off x="0" y="0"/>
-          <a:ext cx="0" cy="0"/>
-          <a:chOff x="0" y="0"/>
-          <a:chExt cx="0" cy="0"/>
-        </a:xfrm>
-      </p:grpSpPr>
-      <p:pic>
-        <p:nvPicPr>
-          <p:cNvPr id="11" name="slide11" descr="sulphates">
-            <a:extLst>
-              <a:ext uri="{FF2B5EF4-FFF2-40B4-BE49-F238E27FC236}">
-                <a16:creationId xmlns:a16="http://schemas.microsoft.com/office/drawing/2014/main" id="{F746F631-2C73-4EA1-8BC7-897EE73B33FA}"/>
-              </a:ext>
-            </a:extLst>
-          </p:cNvPr>
-          <p:cNvPicPr>
-            <a:picLocks noChangeAspect="1"/>
-          </p:cNvPicPr>
-          <p:nvPr/>
-        </p:nvPicPr>
-        <p:blipFill>
-          <a:blip r:embed="rId2">
-            <a:extLst>
-              <a:ext uri="{28A0092B-C50C-407E-A947-70E740481C1C}">
-                <a14:useLocalDpi xmlns:a14="http://schemas.microsoft.com/office/drawing/2010/main" val="0"/>
-              </a:ext>
-            </a:extLst>
-          </a:blip>
-          <a:stretch>
-            <a:fillRect/>
-          </a:stretch>
-        </p:blipFill>
-        <p:spPr>
-          <a:xfrm>
-            <a:off x="508000" y="762002"/>
-            <a:ext cx="6604000" cy="5283199"/>
-          </a:xfrm>
-          <a:prstGeom prst="rect">
-            <a:avLst/>
-          </a:prstGeom>
-          <a:noFill/>
-        </p:spPr>
-      </p:pic>
-      <p:sp>
-        <p:nvSpPr>
-          <p:cNvPr id="7" name="Subtitle 3">
-            <a:extLst>
-              <a:ext uri="{FF2B5EF4-FFF2-40B4-BE49-F238E27FC236}">
-                <a16:creationId xmlns:a16="http://schemas.microsoft.com/office/drawing/2014/main" id="{F58659B2-AF6B-4276-81D2-D979F317B278}"/>
-              </a:ext>
-            </a:extLst>
-          </p:cNvPr>
-          <p:cNvSpPr>
-            <a:spLocks noGrp="1"/>
-          </p:cNvSpPr>
-          <p:nvPr>
-            <p:ph type="body" sz="half" idx="2"/>
-          </p:nvPr>
-        </p:nvSpPr>
-        <p:spPr>
-          <a:xfrm>
-            <a:off x="7823200" y="762002"/>
-            <a:ext cx="3962400" cy="5613398"/>
-          </a:xfrm>
-        </p:spPr>
-        <p:txBody>
-          <a:bodyPr anchor="t">
-            <a:normAutofit/>
-          </a:bodyPr>
-          <a:lstStyle/>
-          <a:p>
-            <a:r>
-              <a:rPr lang="en-US" dirty="0"/>
-              <a:t>Sulphate levels range from .3 to 2.0 g/L with a mean of .66 g/L. </a:t>
-            </a:r>
-            <a:r>
-              <a:rPr lang="en-US" dirty="0" err="1"/>
-              <a:t>RSquared</a:t>
-            </a:r>
-            <a:r>
-              <a:rPr lang="en-US" dirty="0"/>
-              <a:t> factor ranks 10</a:t>
-            </a:r>
-            <a:r>
-              <a:rPr lang="en-US" baseline="30000" dirty="0"/>
-              <a:t>th</a:t>
-            </a:r>
-            <a:r>
-              <a:rPr lang="en-US" dirty="0"/>
-              <a:t> out of the 11 attributes.</a:t>
-            </a:r>
-          </a:p>
-          <a:p>
-            <a:r>
-              <a:rPr lang="en-US" sz="1800" dirty="0">
-                <a:effectLst/>
-                <a:latin typeface="Calibri" panose="020F0502020204030204" pitchFamily="34" charset="0"/>
-                <a:ea typeface="Calibri" panose="020F0502020204030204" pitchFamily="34" charset="0"/>
-                <a:cs typeface="Times New Roman" panose="02020603050405020304" pitchFamily="18" charset="0"/>
-              </a:rPr>
-              <a:t>Hydrogen sulfide, H₂S, is an undesirable compound produced during wine fermentation. Formation of hydrogen sulfide typically occurs during the primary fermentation when yeast activity is high with copper sulphate commonly added to remove or lower the H₂S levels.  Sulphate SO42 and sulfite SO43 are both Oxy-anions of Sulfur, a non-metallic element.  With the an extremely low R Squared factor, sulphate has limited impact on our ability to determine win quality but levels of .65 and .90 tend to produce wines with higher wine quality than those with Sulphate levels of .55.</a:t>
-            </a:r>
-          </a:p>
-          <a:p>
-            <a:endParaRPr lang="en-US" dirty="0"/>
-          </a:p>
-        </p:txBody>
-      </p:sp>
-    </p:spTree>
-    <p:extLst>
-      <p:ext uri="{BB962C8B-B14F-4D97-AF65-F5344CB8AC3E}">
-        <p14:creationId xmlns:p14="http://schemas.microsoft.com/office/powerpoint/2010/main" val="95992585"/>
-      </p:ext>
-    </p:extLst>
-  </p:cSld>
-  <p:clrMapOvr>
-    <a:masterClrMapping/>
-  </p:clrMapOvr>
-  <mc:AlternateContent xmlns:mc="http://schemas.openxmlformats.org/markup-compatibility/2006" xmlns:p14="http://schemas.microsoft.com/office/powerpoint/2010/main">
-    <mc:Choice Requires="p14">
-      <p:transition spd="med" p14:dur="700">
-        <p:fade/>
-      </p:transition>
-    </mc:Choice>
-    <mc:Fallback xmlns="">
-      <p:transition spd="med">
-        <p:fade/>
-      </p:transition>
-    </mc:Fallback>
-  </mc:AlternateContent>
-</p:sld>
-</file>
-
-<file path=ppt/slides/slide2.xml><?xml version="1.0" encoding="utf-8"?>
-<p:sld xmlns:a="http://schemas.openxmlformats.org/drawingml/2006/main" xmlns:r="http://schemas.openxmlformats.org/officeDocument/2006/relationships" xmlns:p="http://schemas.openxmlformats.org/presentationml/2006/main">
-  <p:cSld>
-    <p:spTree>
-      <p:nvGrpSpPr>
-        <p:cNvPr id="1" name=""/>
-        <p:cNvGrpSpPr/>
-        <p:nvPr/>
-      </p:nvGrpSpPr>
-      <p:grpSpPr>
-        <a:xfrm>
-          <a:off x="0" y="0"/>
-          <a:ext cx="0" cy="0"/>
-          <a:chOff x="0" y="0"/>
-          <a:chExt cx="0" cy="0"/>
-        </a:xfrm>
-      </p:grpSpPr>
-      <p:sp>
-        <p:nvSpPr>
-          <p:cNvPr id="2" name="Title 1">
-            <a:extLst>
-              <a:ext uri="{FF2B5EF4-FFF2-40B4-BE49-F238E27FC236}">
-                <a16:creationId xmlns:a16="http://schemas.microsoft.com/office/drawing/2014/main" id="{771E36E4-44E9-49FB-8081-9FB59B8009D6}"/>
-              </a:ext>
-            </a:extLst>
-          </p:cNvPr>
-          <p:cNvSpPr>
-            <a:spLocks noGrp="1"/>
-          </p:cNvSpPr>
-          <p:nvPr>
-            <p:ph type="title"/>
-          </p:nvPr>
-        </p:nvSpPr>
-        <p:spPr>
-          <a:xfrm>
-            <a:off x="7823200" y="482600"/>
-            <a:ext cx="3962400" cy="1422400"/>
-          </a:xfrm>
-        </p:spPr>
-        <p:txBody>
-          <a:bodyPr anchor="b">
-            <a:normAutofit/>
-          </a:bodyPr>
-          <a:lstStyle/>
-          <a:p>
-            <a:r>
-              <a:rPr lang="en-US" sz="3600" dirty="0"/>
-              <a:t>Objectives</a:t>
-            </a:r>
-            <a:endParaRPr lang="en-US" dirty="0"/>
-          </a:p>
-        </p:txBody>
-      </p:sp>
-      <p:sp>
-        <p:nvSpPr>
-          <p:cNvPr id="3" name="Content Placeholder 2">
-            <a:extLst>
-              <a:ext uri="{FF2B5EF4-FFF2-40B4-BE49-F238E27FC236}">
-                <a16:creationId xmlns:a16="http://schemas.microsoft.com/office/drawing/2014/main" id="{AE531BB9-F805-493A-A086-ACA032906683}"/>
-              </a:ext>
-            </a:extLst>
-          </p:cNvPr>
-          <p:cNvSpPr>
-            <a:spLocks noGrp="1"/>
-          </p:cNvSpPr>
-          <p:nvPr>
-            <p:ph idx="1"/>
-          </p:nvPr>
-        </p:nvSpPr>
-        <p:spPr>
-          <a:xfrm>
-            <a:off x="508000" y="482601"/>
-            <a:ext cx="6604000" cy="5842001"/>
-          </a:xfrm>
-        </p:spPr>
-        <p:txBody>
-          <a:bodyPr>
-            <a:normAutofit/>
-          </a:bodyPr>
-          <a:lstStyle/>
-          <a:p>
-            <a:endParaRPr lang="en-US" sz="2000" dirty="0">
-              <a:effectLst/>
-            </a:endParaRPr>
-          </a:p>
-          <a:p>
-            <a:pPr>
-              <a:buFont typeface="Wingdings" panose="05000000000000000000" pitchFamily="2" charset="2"/>
-              <a:buChar char="v"/>
-            </a:pPr>
-            <a:endParaRPr lang="en-US" sz="2000" dirty="0">
-              <a:effectLst/>
-            </a:endParaRPr>
-          </a:p>
-          <a:p>
-            <a:pPr lvl="1">
-              <a:buFont typeface="Wingdings" panose="05000000000000000000" pitchFamily="2" charset="2"/>
-              <a:buChar char="v"/>
-            </a:pPr>
-            <a:r>
-              <a:rPr lang="en-US" sz="2000" dirty="0"/>
-              <a:t>To determine all the components which make a good wine</a:t>
-            </a:r>
-          </a:p>
-          <a:p>
-            <a:pPr lvl="1">
-              <a:buFont typeface="Wingdings" panose="05000000000000000000" pitchFamily="2" charset="2"/>
-              <a:buChar char="v"/>
-            </a:pPr>
-            <a:endParaRPr lang="en-US" sz="2000" dirty="0"/>
-          </a:p>
-          <a:p>
-            <a:pPr lvl="1">
-              <a:buFont typeface="Wingdings" panose="05000000000000000000" pitchFamily="2" charset="2"/>
-              <a:buChar char="v"/>
-            </a:pPr>
-            <a:r>
-              <a:rPr lang="en-US" sz="2000" dirty="0"/>
-              <a:t>To predict the wine quality using machine learning </a:t>
-            </a:r>
-            <a:endParaRPr lang="en-US" dirty="0"/>
-          </a:p>
-          <a:p>
-            <a:pPr marL="457200" lvl="1" indent="0">
-              <a:buNone/>
-            </a:pPr>
-            <a:endParaRPr lang="en-US" sz="2000" dirty="0">
-              <a:effectLst/>
-            </a:endParaRPr>
-          </a:p>
-          <a:p>
-            <a:endParaRPr lang="en-US" sz="2000" dirty="0"/>
-          </a:p>
-        </p:txBody>
-      </p:sp>
-    </p:spTree>
-    <p:extLst>
-      <p:ext uri="{BB962C8B-B14F-4D97-AF65-F5344CB8AC3E}">
-        <p14:creationId xmlns:p14="http://schemas.microsoft.com/office/powerpoint/2010/main" val="1937421957"/>
-      </p:ext>
-    </p:extLst>
-  </p:cSld>
-  <p:clrMapOvr>
-    <a:masterClrMapping/>
-  </p:clrMapOvr>
-  <mc:AlternateContent xmlns:mc="http://schemas.openxmlformats.org/markup-compatibility/2006" xmlns:p14="http://schemas.microsoft.com/office/powerpoint/2010/main">
-    <mc:Choice Requires="p14">
-      <p:transition spd="med" p14:dur="700">
-        <p:fade/>
-      </p:transition>
-    </mc:Choice>
-    <mc:Fallback xmlns="">
-      <p:transition spd="med">
-        <p:fade/>
-      </p:transition>
-    </mc:Fallback>
-  </mc:AlternateContent>
-</p:sld>
-</file>
-
-<file path=ppt/slides/slide20.xml><?xml version="1.0" encoding="utf-8"?>
-<p:sld xmlns:a="http://schemas.openxmlformats.org/drawingml/2006/main" xmlns:r="http://schemas.openxmlformats.org/officeDocument/2006/relationships" xmlns:p="http://schemas.openxmlformats.org/presentationml/2006/main">
-  <p:cSld>
-    <p:spTree>
-      <p:nvGrpSpPr>
-        <p:cNvPr id="1" name=""/>
-        <p:cNvGrpSpPr/>
-        <p:nvPr/>
-      </p:nvGrpSpPr>
-      <p:grpSpPr>
-        <a:xfrm>
-          <a:off x="0" y="0"/>
-          <a:ext cx="0" cy="0"/>
-          <a:chOff x="0" y="0"/>
-          <a:chExt cx="0" cy="0"/>
-        </a:xfrm>
-      </p:grpSpPr>
-      <p:pic>
-        <p:nvPicPr>
-          <p:cNvPr id="6" name="slide6" descr="density">
-            <a:extLst>
-              <a:ext uri="{FF2B5EF4-FFF2-40B4-BE49-F238E27FC236}">
-                <a16:creationId xmlns:a16="http://schemas.microsoft.com/office/drawing/2014/main" id="{54A82801-89F1-4236-B2BE-AB1CF62B3FCE}"/>
-              </a:ext>
-            </a:extLst>
-          </p:cNvPr>
-          <p:cNvPicPr>
-            <a:picLocks noChangeAspect="1"/>
-          </p:cNvPicPr>
-          <p:nvPr/>
-        </p:nvPicPr>
-        <p:blipFill>
-          <a:blip r:embed="rId2">
-            <a:extLst>
-              <a:ext uri="{28A0092B-C50C-407E-A947-70E740481C1C}">
-                <a14:useLocalDpi xmlns:a14="http://schemas.microsoft.com/office/drawing/2010/main" val="0"/>
-              </a:ext>
-            </a:extLst>
-          </a:blip>
-          <a:stretch>
-            <a:fillRect/>
-          </a:stretch>
-        </p:blipFill>
-        <p:spPr>
-          <a:xfrm>
-            <a:off x="508000" y="762002"/>
-            <a:ext cx="6604000" cy="5283199"/>
-          </a:xfrm>
-          <a:prstGeom prst="rect">
-            <a:avLst/>
-          </a:prstGeom>
-          <a:noFill/>
-        </p:spPr>
-      </p:pic>
-      <p:sp>
-        <p:nvSpPr>
-          <p:cNvPr id="7" name="Subtitle 3">
-            <a:extLst>
-              <a:ext uri="{FF2B5EF4-FFF2-40B4-BE49-F238E27FC236}">
-                <a16:creationId xmlns:a16="http://schemas.microsoft.com/office/drawing/2014/main" id="{F650549E-64D2-4F08-92C6-22BB5CFA1AA6}"/>
-              </a:ext>
-            </a:extLst>
-          </p:cNvPr>
-          <p:cNvSpPr>
-            <a:spLocks noGrp="1"/>
-          </p:cNvSpPr>
-          <p:nvPr>
-            <p:ph type="body" sz="half" idx="2"/>
-          </p:nvPr>
-        </p:nvSpPr>
-        <p:spPr>
-          <a:xfrm>
-            <a:off x="7823200" y="762002"/>
-            <a:ext cx="3962400" cy="5613398"/>
-          </a:xfrm>
-        </p:spPr>
-        <p:txBody>
-          <a:bodyPr anchor="t">
-            <a:normAutofit/>
-          </a:bodyPr>
-          <a:lstStyle/>
-          <a:p>
-            <a:r>
-              <a:rPr lang="en-US" dirty="0"/>
-              <a:t>Density values range from .99 to 1.004 with a mean .997.   </a:t>
-            </a:r>
-            <a:r>
-              <a:rPr lang="en-US" dirty="0" err="1"/>
-              <a:t>RSquared</a:t>
-            </a:r>
-            <a:r>
-              <a:rPr lang="en-US" dirty="0"/>
-              <a:t> factor ranks 4</a:t>
-            </a:r>
-            <a:r>
-              <a:rPr lang="en-US" baseline="30000" dirty="0"/>
-              <a:t>th</a:t>
-            </a:r>
-            <a:r>
-              <a:rPr lang="en-US" dirty="0"/>
-              <a:t> out of the 11 attributes.</a:t>
-            </a:r>
-          </a:p>
-          <a:p>
-            <a:endParaRPr lang="en-US" dirty="0"/>
-          </a:p>
-          <a:p>
-            <a:pPr marL="0" marR="0">
-              <a:lnSpc>
-                <a:spcPct val="107000"/>
-              </a:lnSpc>
-              <a:spcBef>
-                <a:spcPts val="0"/>
-              </a:spcBef>
-              <a:spcAft>
-                <a:spcPts val="800"/>
-              </a:spcAft>
-            </a:pPr>
-            <a:r>
-              <a:rPr lang="en-US" sz="1800" dirty="0">
-                <a:effectLst/>
-                <a:latin typeface="Calibri" panose="020F0502020204030204" pitchFamily="34" charset="0"/>
-                <a:ea typeface="Calibri" panose="020F0502020204030204" pitchFamily="34" charset="0"/>
-                <a:cs typeface="Times New Roman" panose="02020603050405020304" pitchFamily="18" charset="0"/>
-              </a:rPr>
-              <a:t>Density has a moderate impact to wine quality with lighter wines being favored over heavy wines.</a:t>
-            </a:r>
-          </a:p>
-          <a:p>
-            <a:endParaRPr lang="en-US" dirty="0"/>
-          </a:p>
-        </p:txBody>
-      </p:sp>
-    </p:spTree>
-    <p:extLst>
-      <p:ext uri="{BB962C8B-B14F-4D97-AF65-F5344CB8AC3E}">
-        <p14:creationId xmlns:p14="http://schemas.microsoft.com/office/powerpoint/2010/main" val="95992585"/>
-      </p:ext>
-    </p:extLst>
-  </p:cSld>
-  <p:clrMapOvr>
-    <a:masterClrMapping/>
-  </p:clrMapOvr>
-  <mc:AlternateContent xmlns:mc="http://schemas.openxmlformats.org/markup-compatibility/2006" xmlns:p14="http://schemas.microsoft.com/office/powerpoint/2010/main">
-    <mc:Choice Requires="p14">
-      <p:transition spd="med" p14:dur="700">
-        <p:fade/>
-      </p:transition>
-    </mc:Choice>
-    <mc:Fallback xmlns="">
-      <p:transition spd="med">
-        <p:fade/>
-      </p:transition>
-    </mc:Fallback>
-  </mc:AlternateContent>
-</p:sld>
-</file>
-
-<file path=ppt/slides/slide21.xml><?xml version="1.0" encoding="utf-8"?>
+<file path=ppt/slides/slide13.xml><?xml version="1.0" encoding="utf-8"?>
 <p:sld xmlns:a="http://schemas.openxmlformats.org/drawingml/2006/main" xmlns:r="http://schemas.openxmlformats.org/officeDocument/2006/relationships" xmlns:p="http://schemas.openxmlformats.org/presentationml/2006/main">
   <p:cSld>
     <p:spTree>
@@ -9686,7 +8334,7 @@
 </p:sld>
 </file>
 
-<file path=ppt/slides/slide22.xml><?xml version="1.0" encoding="utf-8"?>
+<file path=ppt/slides/slide14.xml><?xml version="1.0" encoding="utf-8"?>
 <p:sld xmlns:a="http://schemas.openxmlformats.org/drawingml/2006/main" xmlns:r="http://schemas.openxmlformats.org/officeDocument/2006/relationships" xmlns:p="http://schemas.openxmlformats.org/presentationml/2006/main">
   <p:cSld>
     <p:spTree>
@@ -9763,7 +8411,7 @@
 </p:sld>
 </file>
 
-<file path=ppt/slides/slide23.xml><?xml version="1.0" encoding="utf-8"?>
+<file path=ppt/slides/slide15.xml><?xml version="1.0" encoding="utf-8"?>
 <p:sld xmlns:a="http://schemas.openxmlformats.org/drawingml/2006/main" xmlns:r="http://schemas.openxmlformats.org/officeDocument/2006/relationships" xmlns:p="http://schemas.openxmlformats.org/presentationml/2006/main">
   <p:cSld>
     <p:spTree>
@@ -9841,7 +8489,7 @@
 </p:sld>
 </file>
 
-<file path=ppt/slides/slide24.xml><?xml version="1.0" encoding="utf-8"?>
+<file path=ppt/slides/slide16.xml><?xml version="1.0" encoding="utf-8"?>
 <p:sld xmlns:a="http://schemas.openxmlformats.org/drawingml/2006/main" xmlns:r="http://schemas.openxmlformats.org/officeDocument/2006/relationships" xmlns:p="http://schemas.openxmlformats.org/presentationml/2006/main">
   <p:cSld>
     <p:spTree>
@@ -9953,7 +8601,7 @@
 </p:sld>
 </file>
 
-<file path=ppt/slides/slide25.xml><?xml version="1.0" encoding="utf-8"?>
+<file path=ppt/slides/slide17.xml><?xml version="1.0" encoding="utf-8"?>
 <p:sld xmlns:a="http://schemas.openxmlformats.org/drawingml/2006/main" xmlns:r="http://schemas.openxmlformats.org/officeDocument/2006/relationships" xmlns:p="http://schemas.openxmlformats.org/presentationml/2006/main">
   <p:cSld>
     <p:spTree>
@@ -10004,6 +8652,166 @@
     <p:extLst>
       <p:ext uri="{BB962C8B-B14F-4D97-AF65-F5344CB8AC3E}">
         <p14:creationId xmlns:p14="http://schemas.microsoft.com/office/powerpoint/2010/main" val="3999544956"/>
+      </p:ext>
+    </p:extLst>
+  </p:cSld>
+  <p:clrMapOvr>
+    <a:masterClrMapping/>
+  </p:clrMapOvr>
+  <mc:AlternateContent xmlns:mc="http://schemas.openxmlformats.org/markup-compatibility/2006" xmlns:p14="http://schemas.microsoft.com/office/powerpoint/2010/main">
+    <mc:Choice Requires="p14">
+      <p:transition spd="med" p14:dur="700">
+        <p:fade/>
+      </p:transition>
+    </mc:Choice>
+    <mc:Fallback xmlns="">
+      <p:transition spd="med">
+        <p:fade/>
+      </p:transition>
+    </mc:Fallback>
+  </mc:AlternateContent>
+</p:sld>
+</file>
+
+<file path=ppt/slides/slide2.xml><?xml version="1.0" encoding="utf-8"?>
+<p:sld xmlns:a="http://schemas.openxmlformats.org/drawingml/2006/main" xmlns:r="http://schemas.openxmlformats.org/officeDocument/2006/relationships" xmlns:p="http://schemas.openxmlformats.org/presentationml/2006/main">
+  <p:cSld>
+    <p:spTree>
+      <p:nvGrpSpPr>
+        <p:cNvPr id="1" name=""/>
+        <p:cNvGrpSpPr/>
+        <p:nvPr/>
+      </p:nvGrpSpPr>
+      <p:grpSpPr>
+        <a:xfrm>
+          <a:off x="0" y="0"/>
+          <a:ext cx="0" cy="0"/>
+          <a:chOff x="0" y="0"/>
+          <a:chExt cx="0" cy="0"/>
+        </a:xfrm>
+      </p:grpSpPr>
+      <p:sp>
+        <p:nvSpPr>
+          <p:cNvPr id="2" name="Title 1">
+            <a:extLst>
+              <a:ext uri="{FF2B5EF4-FFF2-40B4-BE49-F238E27FC236}">
+                <a16:creationId xmlns:a16="http://schemas.microsoft.com/office/drawing/2014/main" id="{771E36E4-44E9-49FB-8081-9FB59B8009D6}"/>
+              </a:ext>
+            </a:extLst>
+          </p:cNvPr>
+          <p:cNvSpPr>
+            <a:spLocks noGrp="1"/>
+          </p:cNvSpPr>
+          <p:nvPr>
+            <p:ph type="title"/>
+          </p:nvPr>
+        </p:nvSpPr>
+        <p:spPr>
+          <a:xfrm>
+            <a:off x="7823200" y="482600"/>
+            <a:ext cx="3962400" cy="1422400"/>
+          </a:xfrm>
+        </p:spPr>
+        <p:txBody>
+          <a:bodyPr anchor="b">
+            <a:normAutofit/>
+          </a:bodyPr>
+          <a:lstStyle/>
+          <a:p>
+            <a:r>
+              <a:rPr lang="en-US" sz="3600" dirty="0"/>
+              <a:t>Objectives</a:t>
+            </a:r>
+            <a:endParaRPr lang="en-US" dirty="0"/>
+          </a:p>
+        </p:txBody>
+      </p:sp>
+      <p:sp>
+        <p:nvSpPr>
+          <p:cNvPr id="3" name="Content Placeholder 2">
+            <a:extLst>
+              <a:ext uri="{FF2B5EF4-FFF2-40B4-BE49-F238E27FC236}">
+                <a16:creationId xmlns:a16="http://schemas.microsoft.com/office/drawing/2014/main" id="{AE531BB9-F805-493A-A086-ACA032906683}"/>
+              </a:ext>
+            </a:extLst>
+          </p:cNvPr>
+          <p:cNvSpPr>
+            <a:spLocks noGrp="1"/>
+          </p:cNvSpPr>
+          <p:nvPr>
+            <p:ph idx="1"/>
+          </p:nvPr>
+        </p:nvSpPr>
+        <p:spPr>
+          <a:xfrm>
+            <a:off x="508000" y="482601"/>
+            <a:ext cx="6604000" cy="5842001"/>
+          </a:xfrm>
+        </p:spPr>
+        <p:txBody>
+          <a:bodyPr>
+            <a:normAutofit/>
+          </a:bodyPr>
+          <a:lstStyle/>
+          <a:p>
+            <a:endParaRPr lang="en-US" sz="2000" dirty="0">
+              <a:effectLst/>
+            </a:endParaRPr>
+          </a:p>
+          <a:p>
+            <a:pPr>
+              <a:buFont typeface="Wingdings" panose="05000000000000000000" pitchFamily="2" charset="2"/>
+              <a:buChar char="v"/>
+            </a:pPr>
+            <a:endParaRPr lang="en-US" sz="2000" dirty="0">
+              <a:effectLst/>
+            </a:endParaRPr>
+          </a:p>
+          <a:p>
+            <a:pPr lvl="1">
+              <a:buFont typeface="Wingdings" panose="05000000000000000000" pitchFamily="2" charset="2"/>
+              <a:buChar char="v"/>
+            </a:pPr>
+            <a:r>
+              <a:rPr lang="en-US" sz="2000" dirty="0"/>
+              <a:t>To determine all the components which make a good wine</a:t>
+            </a:r>
+          </a:p>
+          <a:p>
+            <a:pPr lvl="1">
+              <a:buFont typeface="Wingdings" panose="05000000000000000000" pitchFamily="2" charset="2"/>
+              <a:buChar char="v"/>
+            </a:pPr>
+            <a:endParaRPr lang="en-US" sz="2000" dirty="0"/>
+          </a:p>
+          <a:p>
+            <a:pPr lvl="1">
+              <a:buFont typeface="Wingdings" panose="05000000000000000000" pitchFamily="2" charset="2"/>
+              <a:buChar char="v"/>
+            </a:pPr>
+            <a:r>
+              <a:rPr lang="en-US" sz="2000" dirty="0"/>
+              <a:t>To predict the wine quality using machine learning </a:t>
+            </a:r>
+            <a:endParaRPr lang="en-US" dirty="0"/>
+          </a:p>
+          <a:p>
+            <a:pPr marL="457200" lvl="1" indent="0">
+              <a:buNone/>
+            </a:pPr>
+            <a:endParaRPr lang="en-US" sz="2000" dirty="0">
+              <a:effectLst/>
+            </a:endParaRPr>
+          </a:p>
+          <a:p>
+            <a:endParaRPr lang="en-US" sz="2000" dirty="0"/>
+          </a:p>
+        </p:txBody>
+      </p:sp>
+    </p:spTree>
+    <p:extLst>
+      <p:ext uri="{BB962C8B-B14F-4D97-AF65-F5344CB8AC3E}">
+        <p14:creationId xmlns:p14="http://schemas.microsoft.com/office/powerpoint/2010/main" val="1937421957"/>
       </p:ext>
     </p:extLst>
   </p:cSld>
